--- a/참고자료/CX.pptx
+++ b/참고자료/CX.pptx
@@ -7,6 +7,7 @@
   <p:sldIdLst>
     <p:sldId id="256" r:id="rId2"/>
     <p:sldId id="257" r:id="rId3"/>
+    <p:sldId id="258" r:id="rId4"/>
   </p:sldIdLst>
   <p:sldSz cx="12192000" cy="6858000"/>
   <p:notesSz cx="6858000" cy="9144000"/>
@@ -105,6 +106,11 @@
       </a:defRPr>
     </a:lvl9pPr>
   </p:defaultTextStyle>
+  <p:extLst>
+    <p:ext uri="{EFAFB233-063F-42B5-8137-9DF3F51BA10A}">
+      <p15:sldGuideLst xmlns:p15="http://schemas.microsoft.com/office/powerpoint/2012/main"/>
+    </p:ext>
+  </p:extLst>
 </p:presentation>
 </file>
 
@@ -255,7 +261,7 @@
           <a:p>
             <a:fld id="{68AF49DC-E132-4EE7-B4E4-3B52EC064DE3}" type="datetimeFigureOut">
               <a:rPr lang="ko-KR" altLang="en-US" smtClean="0"/>
-              <a:t>2025-07-13(Sun)</a:t>
+              <a:t>2025-07-14(Mon)</a:t>
             </a:fld>
             <a:endParaRPr lang="ko-KR" altLang="en-US"/>
           </a:p>
@@ -453,7 +459,7 @@
           <a:p>
             <a:fld id="{68AF49DC-E132-4EE7-B4E4-3B52EC064DE3}" type="datetimeFigureOut">
               <a:rPr lang="ko-KR" altLang="en-US" smtClean="0"/>
-              <a:t>2025-07-13(Sun)</a:t>
+              <a:t>2025-07-14(Mon)</a:t>
             </a:fld>
             <a:endParaRPr lang="ko-KR" altLang="en-US"/>
           </a:p>
@@ -661,7 +667,7 @@
           <a:p>
             <a:fld id="{68AF49DC-E132-4EE7-B4E4-3B52EC064DE3}" type="datetimeFigureOut">
               <a:rPr lang="ko-KR" altLang="en-US" smtClean="0"/>
-              <a:t>2025-07-13(Sun)</a:t>
+              <a:t>2025-07-14(Mon)</a:t>
             </a:fld>
             <a:endParaRPr lang="ko-KR" altLang="en-US"/>
           </a:p>
@@ -859,7 +865,7 @@
           <a:p>
             <a:fld id="{68AF49DC-E132-4EE7-B4E4-3B52EC064DE3}" type="datetimeFigureOut">
               <a:rPr lang="ko-KR" altLang="en-US" smtClean="0"/>
-              <a:t>2025-07-13(Sun)</a:t>
+              <a:t>2025-07-14(Mon)</a:t>
             </a:fld>
             <a:endParaRPr lang="ko-KR" altLang="en-US"/>
           </a:p>
@@ -1134,7 +1140,7 @@
           <a:p>
             <a:fld id="{68AF49DC-E132-4EE7-B4E4-3B52EC064DE3}" type="datetimeFigureOut">
               <a:rPr lang="ko-KR" altLang="en-US" smtClean="0"/>
-              <a:t>2025-07-13(Sun)</a:t>
+              <a:t>2025-07-14(Mon)</a:t>
             </a:fld>
             <a:endParaRPr lang="ko-KR" altLang="en-US"/>
           </a:p>
@@ -1399,7 +1405,7 @@
           <a:p>
             <a:fld id="{68AF49DC-E132-4EE7-B4E4-3B52EC064DE3}" type="datetimeFigureOut">
               <a:rPr lang="ko-KR" altLang="en-US" smtClean="0"/>
-              <a:t>2025-07-13(Sun)</a:t>
+              <a:t>2025-07-14(Mon)</a:t>
             </a:fld>
             <a:endParaRPr lang="ko-KR" altLang="en-US"/>
           </a:p>
@@ -1811,7 +1817,7 @@
           <a:p>
             <a:fld id="{68AF49DC-E132-4EE7-B4E4-3B52EC064DE3}" type="datetimeFigureOut">
               <a:rPr lang="ko-KR" altLang="en-US" smtClean="0"/>
-              <a:t>2025-07-13(Sun)</a:t>
+              <a:t>2025-07-14(Mon)</a:t>
             </a:fld>
             <a:endParaRPr lang="ko-KR" altLang="en-US"/>
           </a:p>
@@ -1952,7 +1958,7 @@
           <a:p>
             <a:fld id="{68AF49DC-E132-4EE7-B4E4-3B52EC064DE3}" type="datetimeFigureOut">
               <a:rPr lang="ko-KR" altLang="en-US" smtClean="0"/>
-              <a:t>2025-07-13(Sun)</a:t>
+              <a:t>2025-07-14(Mon)</a:t>
             </a:fld>
             <a:endParaRPr lang="ko-KR" altLang="en-US"/>
           </a:p>
@@ -2065,7 +2071,7 @@
           <a:p>
             <a:fld id="{68AF49DC-E132-4EE7-B4E4-3B52EC064DE3}" type="datetimeFigureOut">
               <a:rPr lang="ko-KR" altLang="en-US" smtClean="0"/>
-              <a:t>2025-07-13(Sun)</a:t>
+              <a:t>2025-07-14(Mon)</a:t>
             </a:fld>
             <a:endParaRPr lang="ko-KR" altLang="en-US"/>
           </a:p>
@@ -2376,7 +2382,7 @@
           <a:p>
             <a:fld id="{68AF49DC-E132-4EE7-B4E4-3B52EC064DE3}" type="datetimeFigureOut">
               <a:rPr lang="ko-KR" altLang="en-US" smtClean="0"/>
-              <a:t>2025-07-13(Sun)</a:t>
+              <a:t>2025-07-14(Mon)</a:t>
             </a:fld>
             <a:endParaRPr lang="ko-KR" altLang="en-US"/>
           </a:p>
@@ -2664,7 +2670,7 @@
           <a:p>
             <a:fld id="{68AF49DC-E132-4EE7-B4E4-3B52EC064DE3}" type="datetimeFigureOut">
               <a:rPr lang="ko-KR" altLang="en-US" smtClean="0"/>
-              <a:t>2025-07-13(Sun)</a:t>
+              <a:t>2025-07-14(Mon)</a:t>
             </a:fld>
             <a:endParaRPr lang="ko-KR" altLang="en-US"/>
           </a:p>
@@ -2905,7 +2911,7 @@
           <a:p>
             <a:fld id="{68AF49DC-E132-4EE7-B4E4-3B52EC064DE3}" type="datetimeFigureOut">
               <a:rPr lang="ko-KR" altLang="en-US" smtClean="0"/>
-              <a:t>2025-07-13(Sun)</a:t>
+              <a:t>2025-07-14(Mon)</a:t>
             </a:fld>
             <a:endParaRPr lang="ko-KR" altLang="en-US"/>
           </a:p>
@@ -4025,6 +4031,331 @@
 </p:sld>
 </file>
 
+<file path=ppt/slides/slide3.xml><?xml version="1.0" encoding="utf-8"?>
+<p:sld xmlns:a="http://schemas.openxmlformats.org/drawingml/2006/main" xmlns:r="http://schemas.openxmlformats.org/officeDocument/2006/relationships" xmlns:p="http://schemas.openxmlformats.org/presentationml/2006/main">
+  <p:cSld>
+    <p:spTree>
+      <p:nvGrpSpPr>
+        <p:cNvPr id="1" name=""/>
+        <p:cNvGrpSpPr/>
+        <p:nvPr/>
+      </p:nvGrpSpPr>
+      <p:grpSpPr>
+        <a:xfrm>
+          <a:off x="0" y="0"/>
+          <a:ext cx="0" cy="0"/>
+          <a:chOff x="0" y="0"/>
+          <a:chExt cx="0" cy="0"/>
+        </a:xfrm>
+      </p:grpSpPr>
+      <p:pic>
+        <p:nvPicPr>
+          <p:cNvPr id="5" name="그림 4">
+            <a:extLst>
+              <a:ext uri="{FF2B5EF4-FFF2-40B4-BE49-F238E27FC236}">
+                <a16:creationId xmlns:a16="http://schemas.microsoft.com/office/drawing/2014/main" id="{6774C35E-62BB-813A-4B7D-F186C6225520}"/>
+              </a:ext>
+            </a:extLst>
+          </p:cNvPr>
+          <p:cNvPicPr>
+            <a:picLocks noChangeAspect="1"/>
+          </p:cNvPicPr>
+          <p:nvPr/>
+        </p:nvPicPr>
+        <p:blipFill>
+          <a:blip r:embed="rId2"/>
+          <a:stretch>
+            <a:fillRect/>
+          </a:stretch>
+        </p:blipFill>
+        <p:spPr>
+          <a:xfrm>
+            <a:off x="785072" y="437733"/>
+            <a:ext cx="4284970" cy="2413418"/>
+          </a:xfrm>
+          <a:prstGeom prst="rect">
+            <a:avLst/>
+          </a:prstGeom>
+        </p:spPr>
+      </p:pic>
+      <p:sp>
+        <p:nvSpPr>
+          <p:cNvPr id="6" name="TextBox 5">
+            <a:extLst>
+              <a:ext uri="{FF2B5EF4-FFF2-40B4-BE49-F238E27FC236}">
+                <a16:creationId xmlns:a16="http://schemas.microsoft.com/office/drawing/2014/main" id="{C9770AB8-032F-89E4-A6B6-7FB26984D3A8}"/>
+              </a:ext>
+            </a:extLst>
+          </p:cNvPr>
+          <p:cNvSpPr txBox="1"/>
+          <p:nvPr/>
+        </p:nvSpPr>
+        <p:spPr>
+          <a:xfrm>
+            <a:off x="1562100" y="2965450"/>
+            <a:ext cx="2731838" cy="369332"/>
+          </a:xfrm>
+          <a:prstGeom prst="rect">
+            <a:avLst/>
+          </a:prstGeom>
+          <a:noFill/>
+        </p:spPr>
+        <p:txBody>
+          <a:bodyPr wrap="none" rtlCol="0">
+            <a:spAutoFit/>
+          </a:bodyPr>
+          <a:lstStyle/>
+          <a:p>
+            <a:r>
+              <a:rPr lang="en-US" altLang="ko-KR" dirty="0"/>
+              <a:t>WSL</a:t>
+            </a:r>
+            <a:r>
+              <a:rPr lang="ko-KR" altLang="en-US" dirty="0"/>
+              <a:t>을 사용했을 때 결과</a:t>
+            </a:r>
+          </a:p>
+        </p:txBody>
+      </p:sp>
+      <p:sp>
+        <p:nvSpPr>
+          <p:cNvPr id="8" name="TextBox 7">
+            <a:extLst>
+              <a:ext uri="{FF2B5EF4-FFF2-40B4-BE49-F238E27FC236}">
+                <a16:creationId xmlns:a16="http://schemas.microsoft.com/office/drawing/2014/main" id="{1BAFC218-E123-3F44-5ABA-50096930C95B}"/>
+              </a:ext>
+            </a:extLst>
+          </p:cNvPr>
+          <p:cNvSpPr txBox="1"/>
+          <p:nvPr/>
+        </p:nvSpPr>
+        <p:spPr>
+          <a:xfrm>
+            <a:off x="1562100" y="3645584"/>
+            <a:ext cx="3323792" cy="1477328"/>
+          </a:xfrm>
+          <a:prstGeom prst="rect">
+            <a:avLst/>
+          </a:prstGeom>
+          <a:noFill/>
+        </p:spPr>
+        <p:txBody>
+          <a:bodyPr wrap="square">
+            <a:spAutoFit/>
+          </a:bodyPr>
+          <a:lstStyle/>
+          <a:p>
+            <a:r>
+              <a:rPr lang="ko-KR" altLang="en-US" dirty="0"/>
+              <a:t>모델명: AMD </a:t>
+            </a:r>
+            <a:r>
+              <a:rPr lang="ko-KR" altLang="en-US" dirty="0" err="1"/>
+              <a:t>Ryzen</a:t>
+            </a:r>
+            <a:r>
+              <a:rPr lang="ko-KR" altLang="en-US" dirty="0"/>
+              <a:t> 9 7900</a:t>
+            </a:r>
+            <a:br>
+              <a:rPr lang="en-US" altLang="ko-KR" dirty="0"/>
+            </a:br>
+            <a:r>
+              <a:rPr lang="ko-KR" altLang="en-US" dirty="0"/>
+              <a:t>코어: 12cores</a:t>
+            </a:r>
+            <a:br>
+              <a:rPr lang="en-US" altLang="ko-KR" dirty="0"/>
+            </a:br>
+            <a:r>
+              <a:rPr lang="ko-KR" altLang="en-US" dirty="0"/>
+              <a:t>쓰레드: 24threads</a:t>
+            </a:r>
+            <a:br>
+              <a:rPr lang="en-US" altLang="ko-KR" dirty="0"/>
+            </a:br>
+            <a:r>
+              <a:rPr lang="ko-KR" altLang="en-US" dirty="0" err="1"/>
+              <a:t>최대클럭</a:t>
+            </a:r>
+            <a:r>
+              <a:rPr lang="ko-KR" altLang="en-US" dirty="0"/>
+              <a:t>: 5.4GHz</a:t>
+            </a:r>
+            <a:br>
+              <a:rPr lang="en-US" altLang="ko-KR" dirty="0"/>
+            </a:br>
+            <a:r>
+              <a:rPr lang="ko-KR" altLang="en-US" dirty="0" err="1"/>
+              <a:t>기본클럭</a:t>
+            </a:r>
+            <a:r>
+              <a:rPr lang="ko-KR" altLang="en-US" dirty="0"/>
+              <a:t>: 3.7GHz</a:t>
+            </a:r>
+          </a:p>
+        </p:txBody>
+      </p:sp>
+      <p:pic>
+        <p:nvPicPr>
+          <p:cNvPr id="10" name="그림 9">
+            <a:extLst>
+              <a:ext uri="{FF2B5EF4-FFF2-40B4-BE49-F238E27FC236}">
+                <a16:creationId xmlns:a16="http://schemas.microsoft.com/office/drawing/2014/main" id="{C67F3C29-C024-A142-DA15-43F59D8FE3EE}"/>
+              </a:ext>
+            </a:extLst>
+          </p:cNvPr>
+          <p:cNvPicPr>
+            <a:picLocks noChangeAspect="1"/>
+          </p:cNvPicPr>
+          <p:nvPr/>
+        </p:nvPicPr>
+        <p:blipFill>
+          <a:blip r:embed="rId3"/>
+          <a:stretch>
+            <a:fillRect/>
+          </a:stretch>
+        </p:blipFill>
+        <p:spPr>
+          <a:xfrm>
+            <a:off x="5645029" y="437733"/>
+            <a:ext cx="5761899" cy="3245267"/>
+          </a:xfrm>
+          <a:prstGeom prst="rect">
+            <a:avLst/>
+          </a:prstGeom>
+        </p:spPr>
+      </p:pic>
+      <p:sp>
+        <p:nvSpPr>
+          <p:cNvPr id="11" name="TextBox 10">
+            <a:extLst>
+              <a:ext uri="{FF2B5EF4-FFF2-40B4-BE49-F238E27FC236}">
+                <a16:creationId xmlns:a16="http://schemas.microsoft.com/office/drawing/2014/main" id="{CAAB9747-5DAB-41F5-A28E-2EE84E8D14C2}"/>
+              </a:ext>
+            </a:extLst>
+          </p:cNvPr>
+          <p:cNvSpPr txBox="1"/>
+          <p:nvPr/>
+        </p:nvSpPr>
+        <p:spPr>
+          <a:xfrm>
+            <a:off x="6776172" y="3886200"/>
+            <a:ext cx="3499612" cy="369332"/>
+          </a:xfrm>
+          <a:prstGeom prst="rect">
+            <a:avLst/>
+          </a:prstGeom>
+          <a:noFill/>
+        </p:spPr>
+        <p:txBody>
+          <a:bodyPr wrap="none" rtlCol="0">
+            <a:spAutoFit/>
+          </a:bodyPr>
+          <a:lstStyle/>
+          <a:p>
+            <a:r>
+              <a:rPr lang="en-US" altLang="ko-KR" dirty="0"/>
+              <a:t>Ssh</a:t>
+            </a:r>
+            <a:r>
+              <a:rPr lang="ko-KR" altLang="en-US" dirty="0"/>
+              <a:t> </a:t>
+            </a:r>
+            <a:r>
+              <a:rPr lang="en-US" altLang="ko-KR" dirty="0"/>
+              <a:t>72 core </a:t>
+            </a:r>
+            <a:r>
+              <a:rPr lang="ko-KR" altLang="en-US" dirty="0" err="1"/>
+              <a:t>머신을</a:t>
+            </a:r>
+            <a:r>
+              <a:rPr lang="ko-KR" altLang="en-US" dirty="0"/>
+              <a:t> 사용한 결과</a:t>
+            </a:r>
+          </a:p>
+        </p:txBody>
+      </p:sp>
+      <p:sp>
+        <p:nvSpPr>
+          <p:cNvPr id="13" name="TextBox 12">
+            <a:extLst>
+              <a:ext uri="{FF2B5EF4-FFF2-40B4-BE49-F238E27FC236}">
+                <a16:creationId xmlns:a16="http://schemas.microsoft.com/office/drawing/2014/main" id="{246E03B6-02F6-0469-B4BE-EE755B284E43}"/>
+              </a:ext>
+            </a:extLst>
+          </p:cNvPr>
+          <p:cNvSpPr txBox="1"/>
+          <p:nvPr/>
+        </p:nvSpPr>
+        <p:spPr>
+          <a:xfrm>
+            <a:off x="5070042" y="4613364"/>
+            <a:ext cx="7050328" cy="646331"/>
+          </a:xfrm>
+          <a:prstGeom prst="rect">
+            <a:avLst/>
+          </a:prstGeom>
+          <a:noFill/>
+        </p:spPr>
+        <p:txBody>
+          <a:bodyPr wrap="none" rtlCol="0">
+            <a:spAutoFit/>
+          </a:bodyPr>
+          <a:lstStyle/>
+          <a:p>
+            <a:r>
+              <a:rPr lang="ko-KR" altLang="en-US" dirty="0" err="1"/>
+              <a:t>하이퍼</a:t>
+            </a:r>
+            <a:r>
+              <a:rPr lang="ko-KR" altLang="en-US" dirty="0"/>
+              <a:t> </a:t>
+            </a:r>
+            <a:r>
+              <a:rPr lang="ko-KR" altLang="en-US" dirty="0" err="1"/>
+              <a:t>스레딩의</a:t>
+            </a:r>
+            <a:r>
+              <a:rPr lang="ko-KR" altLang="en-US" dirty="0"/>
+              <a:t> 영향도 </a:t>
+            </a:r>
+            <a:r>
+              <a:rPr lang="ko-KR" altLang="en-US" dirty="0" err="1"/>
+              <a:t>있을것이고</a:t>
+            </a:r>
+            <a:endParaRPr lang="en-US" altLang="ko-KR" dirty="0"/>
+          </a:p>
+          <a:p>
+            <a:r>
+              <a:rPr lang="en-US" altLang="ko-KR" dirty="0"/>
+              <a:t>NUMA </a:t>
+            </a:r>
+            <a:r>
+              <a:rPr lang="ko-KR" altLang="en-US" dirty="0"/>
+              <a:t>구조의 영향으로 메모리 접근이 지연되지 않나 생각됩니다</a:t>
+            </a:r>
+            <a:r>
+              <a:rPr lang="en-US" altLang="ko-KR" dirty="0"/>
+              <a:t>.</a:t>
+            </a:r>
+          </a:p>
+        </p:txBody>
+      </p:sp>
+    </p:spTree>
+    <p:extLst>
+      <p:ext uri="{BB962C8B-B14F-4D97-AF65-F5344CB8AC3E}">
+        <p14:creationId xmlns:p14="http://schemas.microsoft.com/office/powerpoint/2010/main" val="3702493244"/>
+      </p:ext>
+    </p:extLst>
+  </p:cSld>
+  <p:clrMapOvr>
+    <a:masterClrMapping/>
+  </p:clrMapOvr>
+</p:sld>
+</file>
+
 <file path=ppt/theme/theme1.xml><?xml version="1.0" encoding="utf-8"?>
 <a:theme xmlns:a="http://schemas.openxmlformats.org/drawingml/2006/main" name="Office 테마">
   <a:themeElements>
